--- a/Eye-surgeries-Analysis.pptx
+++ b/Eye-surgeries-Analysis.pptx
@@ -5,10 +5,10 @@
     <p:sldMasterId id="2147483648" r:id="rId4"/>
   </p:sldMasterIdLst>
   <p:notesMasterIdLst>
-    <p:notesMasterId r:id="rId14"/>
+    <p:notesMasterId r:id="rId15"/>
   </p:notesMasterIdLst>
   <p:handoutMasterIdLst>
-    <p:handoutMasterId r:id="rId15"/>
+    <p:handoutMasterId r:id="rId16"/>
   </p:handoutMasterIdLst>
   <p:sldIdLst>
     <p:sldId id="256" r:id="rId5"/>
@@ -18,8 +18,9 @@
     <p:sldId id="277" r:id="rId9"/>
     <p:sldId id="278" r:id="rId10"/>
     <p:sldId id="279" r:id="rId11"/>
-    <p:sldId id="280" r:id="rId12"/>
-    <p:sldId id="281" r:id="rId13"/>
+    <p:sldId id="282" r:id="rId12"/>
+    <p:sldId id="280" r:id="rId13"/>
+    <p:sldId id="281" r:id="rId14"/>
   </p:sldIdLst>
   <p:sldSz cx="12188825" cy="6858000"/>
   <p:notesSz cx="6858000" cy="9144000"/>
@@ -749,6 +750,90 @@
 </p:notes>
 </file>
 
+<file path=ppt/notesSlides/notesSlide10.xml><?xml version="1.0" encoding="utf-8"?>
+<p:notes xmlns:a="http://schemas.openxmlformats.org/drawingml/2006/main" xmlns:r="http://schemas.openxmlformats.org/officeDocument/2006/relationships" xmlns:p="http://schemas.openxmlformats.org/presentationml/2006/main">
+  <p:cSld>
+    <p:spTree>
+      <p:nvGrpSpPr>
+        <p:cNvPr id="1" name=""/>
+        <p:cNvGrpSpPr/>
+        <p:nvPr/>
+      </p:nvGrpSpPr>
+      <p:grpSpPr>
+        <a:xfrm>
+          <a:off x="0" y="0"/>
+          <a:ext cx="0" cy="0"/>
+          <a:chOff x="0" y="0"/>
+          <a:chExt cx="0" cy="0"/>
+        </a:xfrm>
+      </p:grpSpPr>
+      <p:sp>
+        <p:nvSpPr>
+          <p:cNvPr id="2" name="Slide Image Placeholder 1"/>
+          <p:cNvSpPr>
+            <a:spLocks noGrp="1" noRot="1" noChangeAspect="1"/>
+          </p:cNvSpPr>
+          <p:nvPr>
+            <p:ph type="sldImg"/>
+          </p:nvPr>
+        </p:nvSpPr>
+        <p:spPr/>
+      </p:sp>
+      <p:sp>
+        <p:nvSpPr>
+          <p:cNvPr id="3" name="Notes Placeholder 2"/>
+          <p:cNvSpPr>
+            <a:spLocks noGrp="1"/>
+          </p:cNvSpPr>
+          <p:nvPr>
+            <p:ph type="body" idx="1"/>
+          </p:nvPr>
+        </p:nvSpPr>
+        <p:spPr/>
+        <p:txBody>
+          <a:bodyPr/>
+          <a:lstStyle/>
+          <a:p>
+            <a:endParaRPr lang="en-US"/>
+          </a:p>
+        </p:txBody>
+      </p:sp>
+      <p:sp>
+        <p:nvSpPr>
+          <p:cNvPr id="4" name="Slide Number Placeholder 3"/>
+          <p:cNvSpPr>
+            <a:spLocks noGrp="1"/>
+          </p:cNvSpPr>
+          <p:nvPr>
+            <p:ph type="sldNum" sz="quarter" idx="10"/>
+          </p:nvPr>
+        </p:nvSpPr>
+        <p:spPr/>
+        <p:txBody>
+          <a:bodyPr/>
+          <a:lstStyle/>
+          <a:p>
+            <a:fld id="{5FB91549-43BF-425A-AF25-75262019208C}" type="slidenum">
+              <a:rPr lang="en-US" smtClean="0"/>
+              <a:t>10</a:t>
+            </a:fld>
+            <a:endParaRPr lang="en-US"/>
+          </a:p>
+        </p:txBody>
+      </p:sp>
+    </p:spTree>
+    <p:extLst>
+      <p:ext uri="{BB962C8B-B14F-4D97-AF65-F5344CB8AC3E}">
+        <p14:creationId xmlns:p14="http://schemas.microsoft.com/office/powerpoint/2010/main" val="3327416878"/>
+      </p:ext>
+    </p:extLst>
+  </p:cSld>
+  <p:clrMapOvr>
+    <a:masterClrMapping/>
+  </p:clrMapOvr>
+</p:notes>
+</file>
+
 <file path=ppt/notesSlides/notesSlide2.xml><?xml version="1.0" encoding="utf-8"?>
 <p:notes xmlns:a="http://schemas.openxmlformats.org/drawingml/2006/main" xmlns:r="http://schemas.openxmlformats.org/officeDocument/2006/relationships" xmlns:p="http://schemas.openxmlformats.org/presentationml/2006/main">
   <p:cSld>
@@ -1327,7 +1412,7 @@
     </p:spTree>
     <p:extLst>
       <p:ext uri="{BB962C8B-B14F-4D97-AF65-F5344CB8AC3E}">
-        <p14:creationId xmlns:p14="http://schemas.microsoft.com/office/powerpoint/2010/main" val="3609677008"/>
+        <p14:creationId xmlns:p14="http://schemas.microsoft.com/office/powerpoint/2010/main" val="4082225492"/>
       </p:ext>
     </p:extLst>
   </p:cSld>
@@ -1411,7 +1496,7 @@
     </p:spTree>
     <p:extLst>
       <p:ext uri="{BB962C8B-B14F-4D97-AF65-F5344CB8AC3E}">
-        <p14:creationId xmlns:p14="http://schemas.microsoft.com/office/powerpoint/2010/main" val="3327416878"/>
+        <p14:creationId xmlns:p14="http://schemas.microsoft.com/office/powerpoint/2010/main" val="3609677008"/>
       </p:ext>
     </p:extLst>
   </p:cSld>
@@ -4921,6 +5006,140 @@
 </p:sld>
 </file>
 
+<file path=ppt/slides/slide10.xml><?xml version="1.0" encoding="utf-8"?>
+<p:sld xmlns:a="http://schemas.openxmlformats.org/drawingml/2006/main" xmlns:r="http://schemas.openxmlformats.org/officeDocument/2006/relationships" xmlns:p="http://schemas.openxmlformats.org/presentationml/2006/main">
+  <p:cSld>
+    <p:spTree>
+      <p:nvGrpSpPr>
+        <p:cNvPr id="1" name=""/>
+        <p:cNvGrpSpPr/>
+        <p:nvPr/>
+      </p:nvGrpSpPr>
+      <p:grpSpPr>
+        <a:xfrm>
+          <a:off x="0" y="0"/>
+          <a:ext cx="0" cy="0"/>
+          <a:chOff x="0" y="0"/>
+          <a:chExt cx="0" cy="0"/>
+        </a:xfrm>
+      </p:grpSpPr>
+      <p:sp>
+        <p:nvSpPr>
+          <p:cNvPr id="2" name="Title 1"/>
+          <p:cNvSpPr>
+            <a:spLocks noGrp="1"/>
+          </p:cNvSpPr>
+          <p:nvPr>
+            <p:ph type="ctrTitle"/>
+          </p:nvPr>
+        </p:nvSpPr>
+        <p:spPr>
+          <a:xfrm>
+            <a:off x="379412" y="2057400"/>
+            <a:ext cx="3962400" cy="1371599"/>
+          </a:xfrm>
+        </p:spPr>
+        <p:txBody>
+          <a:bodyPr/>
+          <a:lstStyle/>
+          <a:p>
+            <a:r>
+              <a:rPr lang="en-US" dirty="0"/>
+              <a:t>Thank you</a:t>
+            </a:r>
+          </a:p>
+        </p:txBody>
+      </p:sp>
+      <p:sp>
+        <p:nvSpPr>
+          <p:cNvPr id="3" name="Subtitle 2"/>
+          <p:cNvSpPr>
+            <a:spLocks noGrp="1"/>
+          </p:cNvSpPr>
+          <p:nvPr>
+            <p:ph type="subTitle" idx="1"/>
+          </p:nvPr>
+        </p:nvSpPr>
+        <p:spPr>
+          <a:xfrm>
+            <a:off x="531812" y="3962400"/>
+            <a:ext cx="3962400" cy="762000"/>
+          </a:xfrm>
+        </p:spPr>
+        <p:txBody>
+          <a:bodyPr>
+            <a:normAutofit/>
+          </a:bodyPr>
+          <a:lstStyle/>
+          <a:p>
+            <a:r>
+              <a:rPr lang="en-US" dirty="0"/>
+              <a:t>Ameya Ghatpande</a:t>
+            </a:r>
+          </a:p>
+          <a:p>
+            <a:r>
+              <a:rPr lang="en-US" dirty="0"/>
+              <a:t>11-Sep-2017</a:t>
+            </a:r>
+          </a:p>
+        </p:txBody>
+      </p:sp>
+      <p:pic>
+        <p:nvPicPr>
+          <p:cNvPr id="9" name="Picture 8"/>
+          <p:cNvPicPr>
+            <a:picLocks noChangeAspect="1"/>
+          </p:cNvPicPr>
+          <p:nvPr/>
+        </p:nvPicPr>
+        <p:blipFill>
+          <a:blip r:embed="rId3">
+            <a:extLst>
+              <a:ext uri="{28A0092B-C50C-407E-A947-70E740481C1C}">
+                <a14:useLocalDpi xmlns:a14="http://schemas.microsoft.com/office/drawing/2010/main" val="0"/>
+              </a:ext>
+            </a:extLst>
+          </a:blip>
+          <a:stretch>
+            <a:fillRect/>
+          </a:stretch>
+        </p:blipFill>
+        <p:spPr>
+          <a:xfrm>
+            <a:off x="6932612" y="2971800"/>
+            <a:ext cx="2362200" cy="2066925"/>
+          </a:xfrm>
+          <a:prstGeom prst="rect">
+            <a:avLst/>
+          </a:prstGeom>
+        </p:spPr>
+      </p:pic>
+    </p:spTree>
+    <p:extLst>
+      <p:ext uri="{BB962C8B-B14F-4D97-AF65-F5344CB8AC3E}">
+        <p14:creationId xmlns:p14="http://schemas.microsoft.com/office/powerpoint/2010/main" val="253597346"/>
+      </p:ext>
+    </p:extLst>
+  </p:cSld>
+  <p:clrMapOvr>
+    <a:masterClrMapping/>
+  </p:clrMapOvr>
+  <mc:AlternateContent xmlns:mc="http://schemas.openxmlformats.org/markup-compatibility/2006" xmlns:p14="http://schemas.microsoft.com/office/powerpoint/2010/main">
+    <mc:Choice Requires="p14">
+      <p:transition spd="med" p14:dur="700">
+        <p:fade/>
+      </p:transition>
+    </mc:Choice>
+    <mc:Fallback xmlns="">
+      <p:transition spd="med">
+        <p:fade/>
+      </p:transition>
+    </mc:Fallback>
+  </mc:AlternateContent>
+</p:sld>
+</file>
+
 <file path=ppt/slides/slide2.xml><?xml version="1.0" encoding="utf-8"?>
 <p:sld xmlns:a="http://schemas.openxmlformats.org/drawingml/2006/main" xmlns:r="http://schemas.openxmlformats.org/officeDocument/2006/relationships" xmlns:p="http://schemas.openxmlformats.org/presentationml/2006/main">
   <p:cSld>
@@ -5017,10 +5236,6 @@
               </a:rPr>
               <a:t>Success Insights</a:t>
             </a:r>
-            <a:endParaRPr lang="en-US" sz="3200" dirty="0">
-              <a:latin typeface="Times New Roman" panose="02020603050405020304" pitchFamily="18" charset="0"/>
-              <a:cs typeface="Times New Roman" panose="02020603050405020304" pitchFamily="18" charset="0"/>
-            </a:endParaRPr>
           </a:p>
           <a:p>
             <a:r>
@@ -5537,10 +5752,6 @@
               </a:rPr>
               <a:t>Number of  successful severe surgeries - 1234 (72 %)</a:t>
             </a:r>
-            <a:endParaRPr lang="en-US" sz="2600" dirty="0">
-              <a:latin typeface="Times New Roman" panose="02020603050405020304" pitchFamily="18" charset="0"/>
-              <a:cs typeface="Times New Roman" panose="02020603050405020304" pitchFamily="18" charset="0"/>
-            </a:endParaRPr>
           </a:p>
           <a:p>
             <a:r>
@@ -5550,10 +5761,6 @@
               </a:rPr>
               <a:t>Percentage of  successful X treatment surgeries - 77.9</a:t>
             </a:r>
-            <a:endParaRPr lang="en-US" sz="2600" dirty="0">
-              <a:latin typeface="Times New Roman" panose="02020603050405020304" pitchFamily="18" charset="0"/>
-              <a:cs typeface="Times New Roman" panose="02020603050405020304" pitchFamily="18" charset="0"/>
-            </a:endParaRPr>
           </a:p>
           <a:p>
             <a:r>
@@ -6071,7 +6278,7 @@
                 <a:latin typeface="Times New Roman" panose="02020603050405020304" pitchFamily="18" charset="0"/>
                 <a:cs typeface="Times New Roman" panose="02020603050405020304" pitchFamily="18" charset="0"/>
               </a:rPr>
-              <a:t>Conclusion</a:t>
+              <a:t>Insights</a:t>
             </a:r>
           </a:p>
         </p:txBody>
@@ -6098,53 +6305,18 @@
           </a:bodyPr>
           <a:lstStyle/>
           <a:p>
-            <a:r>
-              <a:rPr lang="en-US" sz="3200" dirty="0">
+            <a:endParaRPr lang="en-US" sz="2400" dirty="0">
+              <a:latin typeface="Times New Roman" panose="02020603050405020304" pitchFamily="18" charset="0"/>
+              <a:cs typeface="Times New Roman" panose="02020603050405020304" pitchFamily="18" charset="0"/>
+            </a:endParaRPr>
+          </a:p>
+          <a:p>
+            <a:r>
+              <a:rPr lang="en-US" sz="2400" dirty="0">
                 <a:latin typeface="Times New Roman" panose="02020603050405020304" pitchFamily="18" charset="0"/>
                 <a:cs typeface="Times New Roman" panose="02020603050405020304" pitchFamily="18" charset="0"/>
               </a:rPr>
-              <a:t>Performance should be evaluated on basis of success ratio and not on the number of surgeries performed</a:t>
-            </a:r>
-          </a:p>
-          <a:p>
-            <a:r>
-              <a:rPr lang="en-US" sz="3200" dirty="0">
-                <a:latin typeface="Times New Roman" panose="02020603050405020304" pitchFamily="18" charset="0"/>
-                <a:cs typeface="Times New Roman" panose="02020603050405020304" pitchFamily="18" charset="0"/>
-              </a:rPr>
-              <a:t>Almost all patients were insured. Good for us.</a:t>
-            </a:r>
-          </a:p>
-          <a:p>
-            <a:r>
-              <a:rPr lang="en-US" sz="3200" dirty="0">
-                <a:latin typeface="Times New Roman" panose="02020603050405020304" pitchFamily="18" charset="0"/>
-                <a:cs typeface="Times New Roman" panose="02020603050405020304" pitchFamily="18" charset="0"/>
-              </a:rPr>
-              <a:t>Major information missing  - Date of surgery (time related KPI’s were missed)</a:t>
-            </a:r>
-          </a:p>
-          <a:p>
-            <a:r>
-              <a:rPr lang="en-US" sz="3200" dirty="0">
-                <a:latin typeface="Times New Roman" panose="02020603050405020304" pitchFamily="18" charset="0"/>
-                <a:cs typeface="Times New Roman" panose="02020603050405020304" pitchFamily="18" charset="0"/>
-              </a:rPr>
-              <a:t>Major information missing - </a:t>
-            </a:r>
-            <a:r>
-              <a:rPr lang="en-US" sz="3200" dirty="0" err="1">
-                <a:latin typeface="Times New Roman" panose="02020603050405020304" pitchFamily="18" charset="0"/>
-                <a:cs typeface="Times New Roman" panose="02020603050405020304" pitchFamily="18" charset="0"/>
-              </a:rPr>
-              <a:t>patient_id</a:t>
-            </a:r>
-            <a:r>
-              <a:rPr lang="en-US" sz="3200" dirty="0">
-                <a:latin typeface="Times New Roman" panose="02020603050405020304" pitchFamily="18" charset="0"/>
-                <a:cs typeface="Times New Roman" panose="02020603050405020304" pitchFamily="18" charset="0"/>
-              </a:rPr>
-              <a:t> (Does the patient come back to our hospital ?)</a:t>
+              <a:t>Top 5 surgeons for Minor surgeries</a:t>
             </a:r>
           </a:p>
           <a:p>
@@ -6154,17 +6326,107 @@
             </a:endParaRPr>
           </a:p>
           <a:p>
+            <a:pPr marL="0" indent="0">
+              <a:buNone/>
+            </a:pPr>
             <a:endParaRPr lang="en-US" sz="3200" dirty="0">
               <a:latin typeface="Times New Roman" panose="02020603050405020304" pitchFamily="18" charset="0"/>
               <a:cs typeface="Times New Roman" panose="02020603050405020304" pitchFamily="18" charset="0"/>
             </a:endParaRPr>
           </a:p>
-        </p:txBody>
-      </p:sp>
+          <a:p>
+            <a:r>
+              <a:rPr lang="en-US" sz="2400" dirty="0">
+                <a:latin typeface="Times New Roman" panose="02020603050405020304" pitchFamily="18" charset="0"/>
+                <a:cs typeface="Times New Roman" panose="02020603050405020304" pitchFamily="18" charset="0"/>
+              </a:rPr>
+              <a:t>Top 5 surgeons for Major surgeries</a:t>
+            </a:r>
+          </a:p>
+          <a:p>
+            <a:endParaRPr lang="en-US" sz="3200" dirty="0">
+              <a:latin typeface="Times New Roman" panose="02020603050405020304" pitchFamily="18" charset="0"/>
+              <a:cs typeface="Times New Roman" panose="02020603050405020304" pitchFamily="18" charset="0"/>
+            </a:endParaRPr>
+          </a:p>
+          <a:p>
+            <a:endParaRPr lang="en-US" sz="3200" dirty="0">
+              <a:latin typeface="Times New Roman" panose="02020603050405020304" pitchFamily="18" charset="0"/>
+              <a:cs typeface="Times New Roman" panose="02020603050405020304" pitchFamily="18" charset="0"/>
+            </a:endParaRPr>
+          </a:p>
+          <a:p>
+            <a:pPr marL="0" indent="0">
+              <a:buNone/>
+            </a:pPr>
+            <a:endParaRPr lang="en-US" sz="3200" dirty="0">
+              <a:latin typeface="Times New Roman" panose="02020603050405020304" pitchFamily="18" charset="0"/>
+              <a:cs typeface="Times New Roman" panose="02020603050405020304" pitchFamily="18" charset="0"/>
+            </a:endParaRPr>
+          </a:p>
+          <a:p>
+            <a:pPr marL="0" indent="0">
+              <a:buNone/>
+            </a:pPr>
+            <a:endParaRPr lang="en-US" sz="3200" dirty="0">
+              <a:latin typeface="Times New Roman" panose="02020603050405020304" pitchFamily="18" charset="0"/>
+              <a:cs typeface="Times New Roman" panose="02020603050405020304" pitchFamily="18" charset="0"/>
+            </a:endParaRPr>
+          </a:p>
+        </p:txBody>
+      </p:sp>
+      <p:pic>
+        <p:nvPicPr>
+          <p:cNvPr id="3" name="Picture 2"/>
+          <p:cNvPicPr>
+            <a:picLocks noChangeAspect="1"/>
+          </p:cNvPicPr>
+          <p:nvPr/>
+        </p:nvPicPr>
+        <p:blipFill>
+          <a:blip r:embed="rId3"/>
+          <a:stretch>
+            <a:fillRect/>
+          </a:stretch>
+        </p:blipFill>
+        <p:spPr>
+          <a:xfrm>
+            <a:off x="6284912" y="2057400"/>
+            <a:ext cx="4038600" cy="1600200"/>
+          </a:xfrm>
+          <a:prstGeom prst="rect">
+            <a:avLst/>
+          </a:prstGeom>
+        </p:spPr>
+      </p:pic>
+      <p:pic>
+        <p:nvPicPr>
+          <p:cNvPr id="4" name="Picture 3"/>
+          <p:cNvPicPr>
+            <a:picLocks noChangeAspect="1"/>
+          </p:cNvPicPr>
+          <p:nvPr/>
+        </p:nvPicPr>
+        <p:blipFill>
+          <a:blip r:embed="rId4"/>
+          <a:stretch>
+            <a:fillRect/>
+          </a:stretch>
+        </p:blipFill>
+        <p:spPr>
+          <a:xfrm>
+            <a:off x="6284912" y="4267200"/>
+            <a:ext cx="4040188" cy="1482174"/>
+          </a:xfrm>
+          <a:prstGeom prst="rect">
+            <a:avLst/>
+          </a:prstGeom>
+        </p:spPr>
+      </p:pic>
     </p:spTree>
     <p:extLst>
       <p:ext uri="{BB962C8B-B14F-4D97-AF65-F5344CB8AC3E}">
-        <p14:creationId xmlns:p14="http://schemas.microsoft.com/office/powerpoint/2010/main" val="787648867"/>
+        <p14:creationId xmlns:p14="http://schemas.microsoft.com/office/powerpoint/2010/main" val="204793225"/>
       </p:ext>
     </p:extLst>
   </p:cSld>
@@ -6205,45 +6467,18 @@
       </p:grpSpPr>
       <p:sp>
         <p:nvSpPr>
-          <p:cNvPr id="2" name="Title 1"/>
-          <p:cNvSpPr>
-            <a:spLocks noGrp="1"/>
-          </p:cNvSpPr>
-          <p:nvPr>
-            <p:ph type="ctrTitle"/>
+          <p:cNvPr id="13" name="Title 12"/>
+          <p:cNvSpPr>
+            <a:spLocks noGrp="1"/>
+          </p:cNvSpPr>
+          <p:nvPr>
+            <p:ph type="title"/>
           </p:nvPr>
         </p:nvSpPr>
         <p:spPr>
           <a:xfrm>
-            <a:off x="379412" y="2057400"/>
-            <a:ext cx="3962400" cy="1371599"/>
-          </a:xfrm>
-        </p:spPr>
-        <p:txBody>
-          <a:bodyPr/>
-          <a:lstStyle/>
-          <a:p>
-            <a:r>
-              <a:rPr lang="en-US" dirty="0"/>
-              <a:t>Thank you</a:t>
-            </a:r>
-          </a:p>
-        </p:txBody>
-      </p:sp>
-      <p:sp>
-        <p:nvSpPr>
-          <p:cNvPr id="3" name="Subtitle 2"/>
-          <p:cNvSpPr>
-            <a:spLocks noGrp="1"/>
-          </p:cNvSpPr>
-          <p:nvPr>
-            <p:ph type="subTitle" idx="1"/>
-          </p:nvPr>
-        </p:nvSpPr>
-        <p:spPr>
-          <a:xfrm>
-            <a:off x="531812" y="3962400"/>
-            <a:ext cx="3962400" cy="762000"/>
+            <a:off x="1065212" y="533400"/>
+            <a:ext cx="10971372" cy="1066800"/>
           </a:xfrm>
         </p:spPr>
         <p:txBody>
@@ -6253,52 +6488,104 @@
           <a:lstStyle/>
           <a:p>
             <a:r>
-              <a:rPr lang="en-US" dirty="0"/>
-              <a:t>Ameya Ghatpande</a:t>
-            </a:r>
-          </a:p>
-          <a:p>
-            <a:r>
-              <a:rPr lang="en-US" dirty="0"/>
-              <a:t>11-Sep-2017</a:t>
-            </a:r>
-          </a:p>
-        </p:txBody>
-      </p:sp>
-      <p:pic>
-        <p:nvPicPr>
-          <p:cNvPr id="9" name="Picture 8"/>
-          <p:cNvPicPr>
-            <a:picLocks noChangeAspect="1"/>
-          </p:cNvPicPr>
-          <p:nvPr/>
-        </p:nvPicPr>
-        <p:blipFill>
-          <a:blip r:embed="rId3">
-            <a:extLst>
-              <a:ext uri="{28A0092B-C50C-407E-A947-70E740481C1C}">
-                <a14:useLocalDpi xmlns:a14="http://schemas.microsoft.com/office/drawing/2010/main" val="0"/>
-              </a:ext>
-            </a:extLst>
-          </a:blip>
-          <a:stretch>
-            <a:fillRect/>
-          </a:stretch>
-        </p:blipFill>
+              <a:rPr lang="en-US" sz="4800" dirty="0">
+                <a:latin typeface="Times New Roman" panose="02020603050405020304" pitchFamily="18" charset="0"/>
+                <a:cs typeface="Times New Roman" panose="02020603050405020304" pitchFamily="18" charset="0"/>
+              </a:rPr>
+              <a:t>Conclusion</a:t>
+            </a:r>
+          </a:p>
+        </p:txBody>
+      </p:sp>
+      <p:sp>
+        <p:nvSpPr>
+          <p:cNvPr id="14" name="Content Placeholder 13"/>
+          <p:cNvSpPr>
+            <a:spLocks noGrp="1"/>
+          </p:cNvSpPr>
+          <p:nvPr>
+            <p:ph idx="1"/>
+          </p:nvPr>
+        </p:nvSpPr>
         <p:spPr>
           <a:xfrm>
-            <a:off x="6932612" y="2971800"/>
-            <a:ext cx="2362200" cy="2066925"/>
+            <a:off x="1141412" y="1981200"/>
+            <a:ext cx="10287000" cy="4190999"/>
           </a:xfrm>
-          <a:prstGeom prst="rect">
-            <a:avLst/>
-          </a:prstGeom>
         </p:spPr>
-      </p:pic>
+        <p:txBody>
+          <a:bodyPr>
+            <a:normAutofit/>
+          </a:bodyPr>
+          <a:lstStyle/>
+          <a:p>
+            <a:r>
+              <a:rPr lang="en-US" sz="3200" dirty="0">
+                <a:latin typeface="Times New Roman" panose="02020603050405020304" pitchFamily="18" charset="0"/>
+                <a:cs typeface="Times New Roman" panose="02020603050405020304" pitchFamily="18" charset="0"/>
+              </a:rPr>
+              <a:t>Performance should be evaluated on basis of success ratio and not on the number of surgeries performed</a:t>
+            </a:r>
+          </a:p>
+          <a:p>
+            <a:r>
+              <a:rPr lang="en-US" sz="3200" dirty="0">
+                <a:latin typeface="Times New Roman" panose="02020603050405020304" pitchFamily="18" charset="0"/>
+                <a:cs typeface="Times New Roman" panose="02020603050405020304" pitchFamily="18" charset="0"/>
+              </a:rPr>
+              <a:t>Almost all patients were insured. Good for us.</a:t>
+            </a:r>
+          </a:p>
+          <a:p>
+            <a:r>
+              <a:rPr lang="en-US" sz="3200" dirty="0">
+                <a:latin typeface="Times New Roman" panose="02020603050405020304" pitchFamily="18" charset="0"/>
+                <a:cs typeface="Times New Roman" panose="02020603050405020304" pitchFamily="18" charset="0"/>
+              </a:rPr>
+              <a:t>Major information missing  - Date of surgery (time related KPI’s were missed)</a:t>
+            </a:r>
+          </a:p>
+          <a:p>
+            <a:r>
+              <a:rPr lang="en-US" sz="3200" dirty="0">
+                <a:latin typeface="Times New Roman" panose="02020603050405020304" pitchFamily="18" charset="0"/>
+                <a:cs typeface="Times New Roman" panose="02020603050405020304" pitchFamily="18" charset="0"/>
+              </a:rPr>
+              <a:t>Major information missing - </a:t>
+            </a:r>
+            <a:r>
+              <a:rPr lang="en-US" sz="3200" dirty="0" err="1">
+                <a:latin typeface="Times New Roman" panose="02020603050405020304" pitchFamily="18" charset="0"/>
+                <a:cs typeface="Times New Roman" panose="02020603050405020304" pitchFamily="18" charset="0"/>
+              </a:rPr>
+              <a:t>patient_id</a:t>
+            </a:r>
+            <a:r>
+              <a:rPr lang="en-US" sz="3200" dirty="0">
+                <a:latin typeface="Times New Roman" panose="02020603050405020304" pitchFamily="18" charset="0"/>
+                <a:cs typeface="Times New Roman" panose="02020603050405020304" pitchFamily="18" charset="0"/>
+              </a:rPr>
+              <a:t> (Does the patient come back to our hospital ?)</a:t>
+            </a:r>
+          </a:p>
+          <a:p>
+            <a:endParaRPr lang="en-US" sz="3200" dirty="0">
+              <a:latin typeface="Times New Roman" panose="02020603050405020304" pitchFamily="18" charset="0"/>
+              <a:cs typeface="Times New Roman" panose="02020603050405020304" pitchFamily="18" charset="0"/>
+            </a:endParaRPr>
+          </a:p>
+          <a:p>
+            <a:endParaRPr lang="en-US" sz="3200" dirty="0">
+              <a:latin typeface="Times New Roman" panose="02020603050405020304" pitchFamily="18" charset="0"/>
+              <a:cs typeface="Times New Roman" panose="02020603050405020304" pitchFamily="18" charset="0"/>
+            </a:endParaRPr>
+          </a:p>
+        </p:txBody>
+      </p:sp>
     </p:spTree>
     <p:extLst>
       <p:ext uri="{BB962C8B-B14F-4D97-AF65-F5344CB8AC3E}">
-        <p14:creationId xmlns:p14="http://schemas.microsoft.com/office/powerpoint/2010/main" val="253597346"/>
+        <p14:creationId xmlns:p14="http://schemas.microsoft.com/office/powerpoint/2010/main" val="787648867"/>
       </p:ext>
     </p:extLst>
   </p:cSld>
@@ -7302,6 +7589,15 @@
 </file>
 
 <file path=customXml/item2.xml><?xml version="1.0" encoding="utf-8"?>
+<?mso-contentType ?>
+<FormTemplates xmlns="http://schemas.microsoft.com/sharepoint/v3/contenttype/forms">
+  <Display>DocumentLibraryForm</Display>
+  <Edit>DocumentLibraryForm</Edit>
+  <New>DocumentLibraryForm</New>
+</FormTemplates>
+</file>
+
+<file path=customXml/item3.xml><?xml version="1.0" encoding="utf-8"?>
 <p:properties xmlns:p="http://schemas.microsoft.com/office/2006/metadata/properties" xmlns:xsi="http://www.w3.org/2001/XMLSchema-instance" xmlns:pc="http://schemas.microsoft.com/office/infopath/2007/PartnerControls">
   <documentManagement>
     <VSO_x0020_item_x0020_id xmlns="40262f94-9f35-4ac3-9a90-690165a166b7" xsi:nil="true"/>
@@ -7310,15 +7606,6 @@
     <Template_x0020_details xmlns="40262f94-9f35-4ac3-9a90-690165a166b7" xsi:nil="true"/>
   </documentManagement>
 </p:properties>
-</file>
-
-<file path=customXml/item3.xml><?xml version="1.0" encoding="utf-8"?>
-<?mso-contentType ?>
-<FormTemplates xmlns="http://schemas.microsoft.com/sharepoint/v3/contenttype/forms">
-  <Display>DocumentLibraryForm</Display>
-  <Edit>DocumentLibraryForm</Edit>
-  <New>DocumentLibraryForm</New>
-</FormTemplates>
 </file>
 
 <file path=customXml/itemProps1.xml><?xml version="1.0" encoding="utf-8"?>
@@ -7341,6 +7628,14 @@
 </file>
 
 <file path=customXml/itemProps2.xml><?xml version="1.0" encoding="utf-8"?>
+<ds:datastoreItem xmlns:ds="http://schemas.openxmlformats.org/officeDocument/2006/customXml" ds:itemID="{7F9B8BCC-BF24-4800-92E1-9F891BBB27E6}">
+  <ds:schemaRefs>
+    <ds:schemaRef ds:uri="http://schemas.microsoft.com/sharepoint/v3/contenttype/forms"/>
+  </ds:schemaRefs>
+</ds:datastoreItem>
+</file>
+
+<file path=customXml/itemProps3.xml><?xml version="1.0" encoding="utf-8"?>
 <ds:datastoreItem xmlns:ds="http://schemas.openxmlformats.org/officeDocument/2006/customXml" ds:itemID="{50AACE6D-8EB6-447A-8DFD-C2C0C52916AC}">
   <ds:schemaRefs>
     <ds:schemaRef ds:uri="http://schemas.microsoft.com/office/infopath/2007/PartnerControls"/>
@@ -7355,12 +7650,4 @@
     <ds:schemaRef ds:uri="http://www.w3.org/XML/1998/namespace"/>
   </ds:schemaRefs>
 </ds:datastoreItem>
-</file>
-
-<file path=customXml/itemProps3.xml><?xml version="1.0" encoding="utf-8"?>
-<ds:datastoreItem xmlns:ds="http://schemas.openxmlformats.org/officeDocument/2006/customXml" ds:itemID="{7F9B8BCC-BF24-4800-92E1-9F891BBB27E6}">
-  <ds:schemaRefs>
-    <ds:schemaRef ds:uri="http://schemas.microsoft.com/sharepoint/v3/contenttype/forms"/>
-  </ds:schemaRefs>
-</ds:datastoreItem>
 </file>